--- a/reports/presentation.pptx
+++ b/reports/presentation.pptx
@@ -17115,7 +17115,7 @@
           <a:p>
             <a:fld id="{7815AAF6-D9AF-47C3-92DD-99476B64B79F}" type="datetimeFigureOut">
               <a:rPr lang="en-US" smtClean="0"/>
-              <a:t>1/19/2019</a:t>
+              <a:t>1/20/2019</a:t>
             </a:fld>
             <a:endParaRPr lang="en-US"/>
           </a:p>
@@ -17313,7 +17313,7 @@
           <a:p>
             <a:fld id="{7815AAF6-D9AF-47C3-92DD-99476B64B79F}" type="datetimeFigureOut">
               <a:rPr lang="en-US" smtClean="0"/>
-              <a:t>1/19/2019</a:t>
+              <a:t>1/20/2019</a:t>
             </a:fld>
             <a:endParaRPr lang="en-US"/>
           </a:p>
@@ -17521,7 +17521,7 @@
           <a:p>
             <a:fld id="{7815AAF6-D9AF-47C3-92DD-99476B64B79F}" type="datetimeFigureOut">
               <a:rPr lang="en-US" smtClean="0"/>
-              <a:t>1/19/2019</a:t>
+              <a:t>1/20/2019</a:t>
             </a:fld>
             <a:endParaRPr lang="en-US"/>
           </a:p>
@@ -17719,7 +17719,7 @@
           <a:p>
             <a:fld id="{7815AAF6-D9AF-47C3-92DD-99476B64B79F}" type="datetimeFigureOut">
               <a:rPr lang="en-US" smtClean="0"/>
-              <a:t>1/19/2019</a:t>
+              <a:t>1/20/2019</a:t>
             </a:fld>
             <a:endParaRPr lang="en-US"/>
           </a:p>
@@ -17994,7 +17994,7 @@
           <a:p>
             <a:fld id="{7815AAF6-D9AF-47C3-92DD-99476B64B79F}" type="datetimeFigureOut">
               <a:rPr lang="en-US" smtClean="0"/>
-              <a:t>1/19/2019</a:t>
+              <a:t>1/20/2019</a:t>
             </a:fld>
             <a:endParaRPr lang="en-US"/>
           </a:p>
@@ -18259,7 +18259,7 @@
           <a:p>
             <a:fld id="{7815AAF6-D9AF-47C3-92DD-99476B64B79F}" type="datetimeFigureOut">
               <a:rPr lang="en-US" smtClean="0"/>
-              <a:t>1/19/2019</a:t>
+              <a:t>1/20/2019</a:t>
             </a:fld>
             <a:endParaRPr lang="en-US"/>
           </a:p>
@@ -18671,7 +18671,7 @@
           <a:p>
             <a:fld id="{7815AAF6-D9AF-47C3-92DD-99476B64B79F}" type="datetimeFigureOut">
               <a:rPr lang="en-US" smtClean="0"/>
-              <a:t>1/19/2019</a:t>
+              <a:t>1/20/2019</a:t>
             </a:fld>
             <a:endParaRPr lang="en-US"/>
           </a:p>
@@ -18812,7 +18812,7 @@
           <a:p>
             <a:fld id="{7815AAF6-D9AF-47C3-92DD-99476B64B79F}" type="datetimeFigureOut">
               <a:rPr lang="en-US" smtClean="0"/>
-              <a:t>1/19/2019</a:t>
+              <a:t>1/20/2019</a:t>
             </a:fld>
             <a:endParaRPr lang="en-US"/>
           </a:p>
@@ -18925,7 +18925,7 @@
           <a:p>
             <a:fld id="{7815AAF6-D9AF-47C3-92DD-99476B64B79F}" type="datetimeFigureOut">
               <a:rPr lang="en-US" smtClean="0"/>
-              <a:t>1/19/2019</a:t>
+              <a:t>1/20/2019</a:t>
             </a:fld>
             <a:endParaRPr lang="en-US"/>
           </a:p>
@@ -19236,7 +19236,7 @@
           <a:p>
             <a:fld id="{7815AAF6-D9AF-47C3-92DD-99476B64B79F}" type="datetimeFigureOut">
               <a:rPr lang="en-US" smtClean="0"/>
-              <a:t>1/19/2019</a:t>
+              <a:t>1/20/2019</a:t>
             </a:fld>
             <a:endParaRPr lang="en-US"/>
           </a:p>
@@ -19524,7 +19524,7 @@
           <a:p>
             <a:fld id="{7815AAF6-D9AF-47C3-92DD-99476B64B79F}" type="datetimeFigureOut">
               <a:rPr lang="en-US" smtClean="0"/>
-              <a:t>1/19/2019</a:t>
+              <a:t>1/20/2019</a:t>
             </a:fld>
             <a:endParaRPr lang="en-US"/>
           </a:p>
@@ -19765,7 +19765,7 @@
           <a:p>
             <a:fld id="{7815AAF6-D9AF-47C3-92DD-99476B64B79F}" type="datetimeFigureOut">
               <a:rPr lang="en-US" smtClean="0"/>
-              <a:t>1/19/2019</a:t>
+              <a:t>1/20/2019</a:t>
             </a:fld>
             <a:endParaRPr lang="en-US"/>
           </a:p>
@@ -21166,6 +21166,42 @@
           </a:p>
         </p:txBody>
       </p:sp>
+      <p:pic>
+        <p:nvPicPr>
+          <p:cNvPr id="4" name="Picture 3">
+            <a:extLst>
+              <a:ext uri="{FF2B5EF4-FFF2-40B4-BE49-F238E27FC236}">
+                <a16:creationId xmlns:a16="http://schemas.microsoft.com/office/drawing/2014/main" id="{7EBE6978-DA94-43B4-B683-695788CC588B}"/>
+              </a:ext>
+            </a:extLst>
+          </p:cNvPr>
+          <p:cNvPicPr>
+            <a:picLocks noChangeAspect="1"/>
+          </p:cNvPicPr>
+          <p:nvPr/>
+        </p:nvPicPr>
+        <p:blipFill>
+          <a:blip r:embed="rId4">
+            <a:extLst>
+              <a:ext uri="{28A0092B-C50C-407E-A947-70E740481C1C}">
+                <a14:useLocalDpi xmlns:a14="http://schemas.microsoft.com/office/drawing/2010/main" val="0"/>
+              </a:ext>
+            </a:extLst>
+          </a:blip>
+          <a:stretch>
+            <a:fillRect/>
+          </a:stretch>
+        </p:blipFill>
+        <p:spPr>
+          <a:xfrm>
+            <a:off x="1083752" y="1690688"/>
+            <a:ext cx="4796125" cy="4446711"/>
+          </a:xfrm>
+          <a:prstGeom prst="rect">
+            <a:avLst/>
+          </a:prstGeom>
+        </p:spPr>
+      </p:pic>
     </p:spTree>
     <p:extLst>
       <p:ext uri="{BB962C8B-B14F-4D97-AF65-F5344CB8AC3E}">
